--- a/2025-Q3/Unity5/2025-08-03-Unity5.pptx
+++ b/2025-Q3/Unity5/2025-08-03-Unity5.pptx
@@ -284,7 +284,7 @@
               <a:pPr>
                 <a:defRPr/>
               </a:pPr>
-              <a:t>8/2/2025</a:t>
+              <a:t>8/9/2025</a:t>
             </a:fld>
             <a:endParaRPr lang="en-US"/>
           </a:p>
@@ -993,7 +993,7 @@
         <p:spPr/>
         <p:txBody>
           <a:bodyPr>
-            <a:normAutofit lnSpcReduction="10000"/>
+            <a:normAutofit fontScale="70000" lnSpcReduction="20000"/>
           </a:bodyPr>
           <a:lstStyle/>
           <a:p>
@@ -1573,7 +1573,7 @@
         <p:spPr/>
         <p:txBody>
           <a:bodyPr>
-            <a:normAutofit fontScale="47500" lnSpcReduction="20000"/>
+            <a:normAutofit fontScale="40000" lnSpcReduction="20000"/>
           </a:bodyPr>
           <a:lstStyle/>
           <a:p>
@@ -2614,7 +2614,7 @@
         <p:spPr/>
         <p:txBody>
           <a:bodyPr>
-            <a:normAutofit fontScale="70000" lnSpcReduction="20000"/>
+            <a:normAutofit fontScale="32500" lnSpcReduction="20000"/>
           </a:bodyPr>
           <a:lstStyle/>
           <a:p>
@@ -3796,7 +3796,7 @@
         <p:spPr/>
         <p:txBody>
           <a:bodyPr>
-            <a:normAutofit fontScale="92500" lnSpcReduction="20000"/>
+            <a:normAutofit fontScale="77500" lnSpcReduction="20000"/>
           </a:bodyPr>
           <a:lstStyle/>
           <a:p>
@@ -5651,7 +5651,7 @@
         <p:spPr/>
         <p:txBody>
           <a:bodyPr>
-            <a:normAutofit fontScale="85000" lnSpcReduction="20000"/>
+            <a:normAutofit fontScale="47500" lnSpcReduction="20000"/>
           </a:bodyPr>
           <a:lstStyle/>
           <a:p>
@@ -8601,16 +8601,15 @@
           </a:p>
           <a:p>
             <a:r>
-              <a:rPr lang="en-US" sz="2000" dirty="0">
+              <a:rPr lang="en-US" sz="2000">
                 <a:solidFill>
                   <a:schemeClr val="tx2">
                     <a:lumMod val="60000"/>
                     <a:lumOff val="40000"/>
                   </a:schemeClr>
                 </a:solidFill>
-                <a:hlinkClick r:id="rId4"/>
-              </a:rPr>
-              <a:t>https://TinyUrl.com/UsefulUnity</a:t>
+              </a:rPr>
+              <a:t>https://tinyurl.com/Call2Unity</a:t>
             </a:r>
             <a:endParaRPr lang="en-US" sz="2000" dirty="0">
               <a:solidFill>
